--- a/tp etude de cas rallye.pptx
+++ b/tp etude de cas rallye.pptx
@@ -14,6 +14,10 @@
     <p:sldId id="262" r:id="rId8"/>
     <p:sldId id="263" r:id="rId9"/>
     <p:sldId id="264" r:id="rId10"/>
+    <p:sldId id="266" r:id="rId11"/>
+    <p:sldId id="265" r:id="rId12"/>
+    <p:sldId id="267" r:id="rId13"/>
+    <p:sldId id="268" r:id="rId14"/>
   </p:sldIdLst>
   <p:sldSz cx="12192000" cy="6858000"/>
   <p:notesSz cx="6858000" cy="9144000"/>
@@ -124,6 +128,7 @@
 <p1510:revInfo xmlns:a="http://schemas.openxmlformats.org/drawingml/2006/main" xmlns:r="http://schemas.openxmlformats.org/officeDocument/2006/relationships" xmlns:p1510="http://schemas.microsoft.com/office/powerpoint/2015/10/main">
   <p1510:revLst>
     <p1510:client id="{0D527697-A02F-4A59-AC2A-82177BA96DCD}" v="2078" dt="2023-06-07T15:54:45.401"/>
+    <p1510:client id="{C03DBB27-C013-361F-593A-3CBDE5BFF479}" v="785" dt="2023-06-08T15:03:04.087"/>
   </p1510:revLst>
 </p1510:revInfo>
 </file>
@@ -340,7 +345,7 @@
             <a:fld id="{B61BEF0D-F0BB-DE4B-95CE-6DB70DBA9567}" type="datetimeFigureOut">
               <a:rPr lang="en-US" dirty="0"/>
               <a:pPr/>
-              <a:t>6/7/2023</a:t>
+              <a:t>6/8/2023</a:t>
             </a:fld>
             <a:endParaRPr lang="en-US" dirty="0"/>
           </a:p>
@@ -629,7 +634,7 @@
             <a:fld id="{B61BEF0D-F0BB-DE4B-95CE-6DB70DBA9567}" type="datetimeFigureOut">
               <a:rPr lang="en-US" dirty="0"/>
               <a:pPr/>
-              <a:t>6/7/2023</a:t>
+              <a:t>6/8/2023</a:t>
             </a:fld>
             <a:endParaRPr lang="en-US" dirty="0"/>
           </a:p>
@@ -890,7 +895,7 @@
             <a:fld id="{B61BEF0D-F0BB-DE4B-95CE-6DB70DBA9567}" type="datetimeFigureOut">
               <a:rPr lang="en-US" dirty="0"/>
               <a:pPr/>
-              <a:t>6/7/2023</a:t>
+              <a:t>6/8/2023</a:t>
             </a:fld>
             <a:endParaRPr lang="en-US" dirty="0"/>
           </a:p>
@@ -1361,7 +1366,7 @@
             <a:fld id="{B61BEF0D-F0BB-DE4B-95CE-6DB70DBA9567}" type="datetimeFigureOut">
               <a:rPr lang="en-US" dirty="0"/>
               <a:pPr/>
-              <a:t>6/7/2023</a:t>
+              <a:t>6/8/2023</a:t>
             </a:fld>
             <a:endParaRPr lang="en-US" dirty="0"/>
           </a:p>
@@ -1543,7 +1548,7 @@
             <a:fld id="{B61BEF0D-F0BB-DE4B-95CE-6DB70DBA9567}" type="datetimeFigureOut">
               <a:rPr lang="en-US" dirty="0"/>
               <a:pPr/>
-              <a:t>6/7/2023</a:t>
+              <a:t>6/8/2023</a:t>
             </a:fld>
             <a:endParaRPr lang="en-US" dirty="0"/>
           </a:p>
@@ -2121,7 +2126,7 @@
             <a:fld id="{B61BEF0D-F0BB-DE4B-95CE-6DB70DBA9567}" type="datetimeFigureOut">
               <a:rPr lang="en-US" dirty="0"/>
               <a:pPr/>
-              <a:t>6/7/2023</a:t>
+              <a:t>6/8/2023</a:t>
             </a:fld>
             <a:endParaRPr lang="en-US" dirty="0"/>
           </a:p>
@@ -2455,7 +2460,7 @@
             <a:fld id="{B61BEF0D-F0BB-DE4B-95CE-6DB70DBA9567}" type="datetimeFigureOut">
               <a:rPr lang="en-US" dirty="0"/>
               <a:pPr/>
-              <a:t>6/7/2023</a:t>
+              <a:t>6/8/2023</a:t>
             </a:fld>
             <a:endParaRPr lang="en-US" dirty="0"/>
           </a:p>
@@ -2631,7 +2636,7 @@
             <a:fld id="{B61BEF0D-F0BB-DE4B-95CE-6DB70DBA9567}" type="datetimeFigureOut">
               <a:rPr lang="en-US" dirty="0"/>
               <a:pPr/>
-              <a:t>6/7/2023</a:t>
+              <a:t>6/8/2023</a:t>
             </a:fld>
             <a:endParaRPr lang="en-US" dirty="0"/>
           </a:p>
@@ -2812,7 +2817,7 @@
             <a:fld id="{B61BEF0D-F0BB-DE4B-95CE-6DB70DBA9567}" type="datetimeFigureOut">
               <a:rPr lang="en-US" dirty="0"/>
               <a:pPr/>
-              <a:t>6/7/2023</a:t>
+              <a:t>6/8/2023</a:t>
             </a:fld>
             <a:endParaRPr lang="en-US" dirty="0"/>
           </a:p>
@@ -2983,7 +2988,7 @@
             <a:fld id="{B61BEF0D-F0BB-DE4B-95CE-6DB70DBA9567}" type="datetimeFigureOut">
               <a:rPr lang="en-US" dirty="0"/>
               <a:pPr/>
-              <a:t>6/7/2023</a:t>
+              <a:t>6/8/2023</a:t>
             </a:fld>
             <a:endParaRPr lang="en-US" dirty="0"/>
           </a:p>
@@ -3242,7 +3247,7 @@
             <a:fld id="{B61BEF0D-F0BB-DE4B-95CE-6DB70DBA9567}" type="datetimeFigureOut">
               <a:rPr lang="en-US" dirty="0"/>
               <a:pPr/>
-              <a:t>6/7/2023</a:t>
+              <a:t>6/8/2023</a:t>
             </a:fld>
             <a:endParaRPr lang="en-US" dirty="0"/>
           </a:p>
@@ -3534,7 +3539,7 @@
             <a:fld id="{B61BEF0D-F0BB-DE4B-95CE-6DB70DBA9567}" type="datetimeFigureOut">
               <a:rPr lang="en-US" dirty="0"/>
               <a:pPr/>
-              <a:t>6/7/2023</a:t>
+              <a:t>6/8/2023</a:t>
             </a:fld>
             <a:endParaRPr lang="en-US" dirty="0"/>
           </a:p>
@@ -3964,7 +3969,7 @@
             <a:fld id="{B61BEF0D-F0BB-DE4B-95CE-6DB70DBA9567}" type="datetimeFigureOut">
               <a:rPr lang="en-US" dirty="0"/>
               <a:pPr/>
-              <a:t>6/7/2023</a:t>
+              <a:t>6/8/2023</a:t>
             </a:fld>
             <a:endParaRPr lang="en-US" dirty="0"/>
           </a:p>
@@ -4084,7 +4089,7 @@
             <a:fld id="{B61BEF0D-F0BB-DE4B-95CE-6DB70DBA9567}" type="datetimeFigureOut">
               <a:rPr lang="en-US" dirty="0"/>
               <a:pPr/>
-              <a:t>6/7/2023</a:t>
+              <a:t>6/8/2023</a:t>
             </a:fld>
             <a:endParaRPr lang="en-US" dirty="0"/>
           </a:p>
@@ -4182,7 +4187,7 @@
             <a:fld id="{B61BEF0D-F0BB-DE4B-95CE-6DB70DBA9567}" type="datetimeFigureOut">
               <a:rPr lang="en-US" dirty="0"/>
               <a:pPr/>
-              <a:t>6/7/2023</a:t>
+              <a:t>6/8/2023</a:t>
             </a:fld>
             <a:endParaRPr lang="en-US" dirty="0"/>
           </a:p>
@@ -4466,7 +4471,7 @@
             <a:fld id="{B61BEF0D-F0BB-DE4B-95CE-6DB70DBA9567}" type="datetimeFigureOut">
               <a:rPr lang="en-US" dirty="0"/>
               <a:pPr/>
-              <a:t>6/7/2023</a:t>
+              <a:t>6/8/2023</a:t>
             </a:fld>
             <a:endParaRPr lang="en-US" dirty="0"/>
           </a:p>
@@ -4755,7 +4760,7 @@
             <a:fld id="{B61BEF0D-F0BB-DE4B-95CE-6DB70DBA9567}" type="datetimeFigureOut">
               <a:rPr lang="en-US" dirty="0"/>
               <a:pPr/>
-              <a:t>6/7/2023</a:t>
+              <a:t>6/8/2023</a:t>
             </a:fld>
             <a:endParaRPr lang="en-US" dirty="0"/>
           </a:p>
@@ -5015,7 +5020,7 @@
             <a:fld id="{B61BEF0D-F0BB-DE4B-95CE-6DB70DBA9567}" type="datetimeFigureOut">
               <a:rPr lang="en-US" dirty="0"/>
               <a:pPr/>
-              <a:t>6/7/2023</a:t>
+              <a:t>6/8/2023</a:t>
             </a:fld>
             <a:endParaRPr lang="en-US" dirty="0"/>
           </a:p>
@@ -5999,6 +6004,1405 @@
 </p:sld>
 </file>
 
+<file path=ppt/slides/slide10.xml><?xml version="1.0" encoding="utf-8"?>
+<p:sld xmlns:a="http://schemas.openxmlformats.org/drawingml/2006/main" xmlns:r="http://schemas.openxmlformats.org/officeDocument/2006/relationships" xmlns:p="http://schemas.openxmlformats.org/presentationml/2006/main">
+  <p:cSld>
+    <p:spTree>
+      <p:nvGrpSpPr>
+        <p:cNvPr id="1" name=""/>
+        <p:cNvGrpSpPr/>
+        <p:nvPr/>
+      </p:nvGrpSpPr>
+      <p:grpSpPr>
+        <a:xfrm>
+          <a:off x="0" y="0"/>
+          <a:ext cx="0" cy="0"/>
+          <a:chOff x="0" y="0"/>
+          <a:chExt cx="0" cy="0"/>
+        </a:xfrm>
+      </p:grpSpPr>
+      <p:sp>
+        <p:nvSpPr>
+          <p:cNvPr id="2" name="Titre 1">
+            <a:extLst>
+              <a:ext uri="{FF2B5EF4-FFF2-40B4-BE49-F238E27FC236}">
+                <a16:creationId xmlns:a16="http://schemas.microsoft.com/office/drawing/2014/main" id="{39E45111-8444-A4BF-2BF3-D3FBB2C8F70C}"/>
+              </a:ext>
+            </a:extLst>
+          </p:cNvPr>
+          <p:cNvSpPr>
+            <a:spLocks noGrp="1"/>
+          </p:cNvSpPr>
+          <p:nvPr>
+            <p:ph type="title"/>
+          </p:nvPr>
+        </p:nvSpPr>
+        <p:spPr>
+          <a:xfrm>
+            <a:off x="1141413" y="609600"/>
+            <a:ext cx="9905998" cy="889000"/>
+          </a:xfrm>
+        </p:spPr>
+        <p:txBody>
+          <a:bodyPr/>
+          <a:lstStyle/>
+          <a:p>
+            <a:r>
+              <a:rPr lang="fr-FR" dirty="0">
+                <a:effectLst>
+                  <a:glow rad="38100">
+                    <a:prstClr val="black">
+                      <a:lumMod val="65000"/>
+                      <a:lumOff val="35000"/>
+                      <a:alpha val="40000"/>
+                    </a:prstClr>
+                  </a:glow>
+                  <a:outerShdw blurRad="28575" dist="38100" dir="14040000" algn="tl" rotWithShape="0">
+                    <a:srgbClr val="000000">
+                      <a:alpha val="25000"/>
+                    </a:srgbClr>
+                  </a:outerShdw>
+                </a:effectLst>
+              </a:rPr>
+              <a:t>Equipe proposée Agile</a:t>
+            </a:r>
+            <a:endParaRPr lang="fr-FR" dirty="0"/>
+          </a:p>
+        </p:txBody>
+      </p:sp>
+      <p:sp>
+        <p:nvSpPr>
+          <p:cNvPr id="3" name="Espace réservé du contenu 2">
+            <a:extLst>
+              <a:ext uri="{FF2B5EF4-FFF2-40B4-BE49-F238E27FC236}">
+                <a16:creationId xmlns:a16="http://schemas.microsoft.com/office/drawing/2014/main" id="{8084D2B8-D175-086A-EFC5-789A445D5563}"/>
+              </a:ext>
+            </a:extLst>
+          </p:cNvPr>
+          <p:cNvSpPr>
+            <a:spLocks noGrp="1"/>
+          </p:cNvSpPr>
+          <p:nvPr>
+            <p:ph idx="1"/>
+          </p:nvPr>
+        </p:nvSpPr>
+        <p:spPr>
+          <a:xfrm>
+            <a:off x="1141413" y="1442012"/>
+            <a:ext cx="9925289" cy="4349188"/>
+          </a:xfrm>
+        </p:spPr>
+        <p:txBody>
+          <a:bodyPr/>
+          <a:lstStyle/>
+          <a:p>
+            <a:pPr marL="0" indent="0">
+              <a:buNone/>
+            </a:pPr>
+            <a:r>
+              <a:rPr lang="fr-FR" dirty="0">
+                <a:effectLst>
+                  <a:glow rad="38100">
+                    <a:prstClr val="black">
+                      <a:lumMod val="50000"/>
+                      <a:lumOff val="50000"/>
+                      <a:alpha val="20000"/>
+                    </a:prstClr>
+                  </a:glow>
+                  <a:outerShdw blurRad="44450" dist="12700" dir="13860000" algn="tl" rotWithShape="0">
+                    <a:srgbClr val="000000">
+                      <a:alpha val="20000"/>
+                    </a:srgbClr>
+                  </a:outerShdw>
+                </a:effectLst>
+              </a:rPr>
+              <a:t>Pour ce genre de plannings: nous avons, au sein de l'équipe:</a:t>
+            </a:r>
+          </a:p>
+          <a:p>
+            <a:pPr>
+              <a:buClr>
+                <a:srgbClr val="FFFFFF"/>
+              </a:buClr>
+            </a:pPr>
+            <a:r>
+              <a:rPr lang="fr-FR" dirty="0">
+                <a:effectLst>
+                  <a:glow rad="38100">
+                    <a:prstClr val="black">
+                      <a:lumMod val="50000"/>
+                      <a:lumOff val="50000"/>
+                      <a:alpha val="20000"/>
+                    </a:prstClr>
+                  </a:glow>
+                  <a:outerShdw blurRad="44450" dist="12700" dir="13860000" algn="tl" rotWithShape="0">
+                    <a:srgbClr val="000000">
+                      <a:alpha val="20000"/>
+                    </a:srgbClr>
+                  </a:outerShdw>
+                </a:effectLst>
+              </a:rPr>
+              <a:t>2 Développeurs Full Stack</a:t>
+            </a:r>
+            <a:endParaRPr lang="fr-FR" dirty="0"/>
+          </a:p>
+          <a:p>
+            <a:pPr>
+              <a:buClr>
+                <a:srgbClr val="FFFFFF"/>
+              </a:buClr>
+            </a:pPr>
+            <a:r>
+              <a:rPr lang="fr-FR" dirty="0">
+                <a:effectLst>
+                  <a:glow rad="38100">
+                    <a:prstClr val="black">
+                      <a:lumMod val="50000"/>
+                      <a:lumOff val="50000"/>
+                      <a:alpha val="20000"/>
+                    </a:prstClr>
+                  </a:glow>
+                  <a:outerShdw blurRad="44450" dist="12700" dir="13860000" algn="tl" rotWithShape="0">
+                    <a:srgbClr val="000000">
+                      <a:alpha val="20000"/>
+                    </a:srgbClr>
+                  </a:outerShdw>
+                </a:effectLst>
+              </a:rPr>
+              <a:t>2 Testeurs</a:t>
+            </a:r>
+          </a:p>
+          <a:p>
+            <a:pPr>
+              <a:buClr>
+                <a:srgbClr val="FFFFFF"/>
+              </a:buClr>
+            </a:pPr>
+            <a:r>
+              <a:rPr lang="fr-FR" dirty="0">
+                <a:effectLst>
+                  <a:glow rad="38100">
+                    <a:prstClr val="black">
+                      <a:lumMod val="50000"/>
+                      <a:lumOff val="50000"/>
+                      <a:alpha val="20000"/>
+                    </a:prstClr>
+                  </a:glow>
+                  <a:outerShdw blurRad="44450" dist="12700" dir="13860000" algn="tl" rotWithShape="0">
+                    <a:srgbClr val="000000">
+                      <a:alpha val="20000"/>
+                    </a:srgbClr>
+                  </a:outerShdw>
+                </a:effectLst>
+              </a:rPr>
+              <a:t>2 Editeurs de Document</a:t>
+            </a:r>
+          </a:p>
+          <a:p>
+            <a:pPr>
+              <a:buClr>
+                <a:srgbClr val="FFFFFF"/>
+              </a:buClr>
+            </a:pPr>
+            <a:r>
+              <a:rPr lang="fr-FR" dirty="0">
+                <a:effectLst>
+                  <a:glow rad="38100">
+                    <a:prstClr val="black">
+                      <a:lumMod val="50000"/>
+                      <a:lumOff val="50000"/>
+                      <a:alpha val="20000"/>
+                    </a:prstClr>
+                  </a:glow>
+                  <a:outerShdw blurRad="44450" dist="12700" dir="13860000" algn="tl" rotWithShape="0">
+                    <a:srgbClr val="000000">
+                      <a:alpha val="20000"/>
+                    </a:srgbClr>
+                  </a:outerShdw>
+                </a:effectLst>
+              </a:rPr>
+              <a:t>1 Lead Tech/Scrum Master</a:t>
+            </a:r>
+          </a:p>
+          <a:p>
+            <a:pPr>
+              <a:buClr>
+                <a:srgbClr val="FFFFFF"/>
+              </a:buClr>
+            </a:pPr>
+            <a:r>
+              <a:rPr lang="fr-FR" dirty="0">
+                <a:effectLst>
+                  <a:glow rad="38100">
+                    <a:prstClr val="black">
+                      <a:lumMod val="50000"/>
+                      <a:lumOff val="50000"/>
+                      <a:alpha val="20000"/>
+                    </a:prstClr>
+                  </a:glow>
+                  <a:outerShdw blurRad="44450" dist="12700" dir="13860000" algn="tl" rotWithShape="0">
+                    <a:srgbClr val="000000">
+                      <a:alpha val="20000"/>
+                    </a:srgbClr>
+                  </a:outerShdw>
+                </a:effectLst>
+              </a:rPr>
+              <a:t>1 Product </a:t>
+            </a:r>
+            <a:r>
+              <a:rPr lang="fr-FR" dirty="0" err="1">
+                <a:effectLst>
+                  <a:glow rad="38100">
+                    <a:prstClr val="black">
+                      <a:lumMod val="50000"/>
+                      <a:lumOff val="50000"/>
+                      <a:alpha val="20000"/>
+                    </a:prstClr>
+                  </a:glow>
+                  <a:outerShdw blurRad="44450" dist="12700" dir="13860000" algn="tl" rotWithShape="0">
+                    <a:srgbClr val="000000">
+                      <a:alpha val="20000"/>
+                    </a:srgbClr>
+                  </a:outerShdw>
+                </a:effectLst>
+              </a:rPr>
+              <a:t>Owner</a:t>
+            </a:r>
+          </a:p>
+          <a:p>
+            <a:pPr>
+              <a:buClr>
+                <a:srgbClr val="FFFFFF"/>
+              </a:buClr>
+            </a:pPr>
+            <a:endParaRPr lang="fr-FR" dirty="0">
+              <a:effectLst>
+                <a:glow rad="38100">
+                  <a:prstClr val="black">
+                    <a:lumMod val="50000"/>
+                    <a:lumOff val="50000"/>
+                    <a:alpha val="20000"/>
+                  </a:prstClr>
+                </a:glow>
+                <a:outerShdw blurRad="44450" dist="12700" dir="13860000" algn="tl" rotWithShape="0">
+                  <a:srgbClr val="000000">
+                    <a:alpha val="20000"/>
+                  </a:srgbClr>
+                </a:outerShdw>
+              </a:effectLst>
+            </a:endParaRPr>
+          </a:p>
+        </p:txBody>
+      </p:sp>
+      <p:sp>
+        <p:nvSpPr>
+          <p:cNvPr id="4" name="Espace réservé du numéro de diapositive 3">
+            <a:extLst>
+              <a:ext uri="{FF2B5EF4-FFF2-40B4-BE49-F238E27FC236}">
+                <a16:creationId xmlns:a16="http://schemas.microsoft.com/office/drawing/2014/main" id="{1F734659-9BC9-0BEC-0520-CCAC752861EA}"/>
+              </a:ext>
+            </a:extLst>
+          </p:cNvPr>
+          <p:cNvSpPr>
+            <a:spLocks noGrp="1"/>
+          </p:cNvSpPr>
+          <p:nvPr>
+            <p:ph type="sldNum" sz="quarter" idx="12"/>
+          </p:nvPr>
+        </p:nvSpPr>
+        <p:spPr/>
+        <p:txBody>
+          <a:bodyPr/>
+          <a:lstStyle/>
+          <a:p>
+            <a:fld id="{D57F1E4F-1CFF-5643-939E-217C01CDF565}" type="slidenum">
+              <a:rPr lang="en-US" dirty="0"/>
+              <a:pPr/>
+              <a:t>10</a:t>
+            </a:fld>
+            <a:endParaRPr lang="fr-FR"/>
+          </a:p>
+        </p:txBody>
+      </p:sp>
+      <p:sp>
+        <p:nvSpPr>
+          <p:cNvPr id="5" name="Espace réservé du pied de page 4">
+            <a:extLst>
+              <a:ext uri="{FF2B5EF4-FFF2-40B4-BE49-F238E27FC236}">
+                <a16:creationId xmlns:a16="http://schemas.microsoft.com/office/drawing/2014/main" id="{19030E52-4FA8-7660-3906-FE38FA3AB7C2}"/>
+              </a:ext>
+            </a:extLst>
+          </p:cNvPr>
+          <p:cNvSpPr>
+            <a:spLocks noGrp="1"/>
+          </p:cNvSpPr>
+          <p:nvPr>
+            <p:ph type="ftr" sz="quarter" idx="11"/>
+          </p:nvPr>
+        </p:nvSpPr>
+        <p:spPr/>
+        <p:txBody>
+          <a:bodyPr/>
+          <a:lstStyle/>
+          <a:p>
+            <a:r>
+              <a:rPr lang="fr-FR"/>
+              <a:t>Agile</a:t>
+            </a:r>
+          </a:p>
+        </p:txBody>
+      </p:sp>
+    </p:spTree>
+    <p:extLst>
+      <p:ext uri="{BB962C8B-B14F-4D97-AF65-F5344CB8AC3E}">
+        <p14:creationId xmlns:p14="http://schemas.microsoft.com/office/powerpoint/2010/main" val="1753775129"/>
+      </p:ext>
+    </p:extLst>
+  </p:cSld>
+  <p:clrMapOvr>
+    <a:masterClrMapping/>
+  </p:clrMapOvr>
+</p:sld>
+</file>
+
+<file path=ppt/slides/slide11.xml><?xml version="1.0" encoding="utf-8"?>
+<p:sld xmlns:a="http://schemas.openxmlformats.org/drawingml/2006/main" xmlns:r="http://schemas.openxmlformats.org/officeDocument/2006/relationships" xmlns:p="http://schemas.openxmlformats.org/presentationml/2006/main">
+  <p:cSld>
+    <p:spTree>
+      <p:nvGrpSpPr>
+        <p:cNvPr id="1" name=""/>
+        <p:cNvGrpSpPr/>
+        <p:nvPr/>
+      </p:nvGrpSpPr>
+      <p:grpSpPr>
+        <a:xfrm>
+          <a:off x="0" y="0"/>
+          <a:ext cx="0" cy="0"/>
+          <a:chOff x="0" y="0"/>
+          <a:chExt cx="0" cy="0"/>
+        </a:xfrm>
+      </p:grpSpPr>
+      <p:sp>
+        <p:nvSpPr>
+          <p:cNvPr id="2" name="Titre 1">
+            <a:extLst>
+              <a:ext uri="{FF2B5EF4-FFF2-40B4-BE49-F238E27FC236}">
+                <a16:creationId xmlns:a16="http://schemas.microsoft.com/office/drawing/2014/main" id="{A19896FA-44A8-3ABE-F2B3-9A11BDA9A12A}"/>
+              </a:ext>
+            </a:extLst>
+          </p:cNvPr>
+          <p:cNvSpPr>
+            <a:spLocks noGrp="1"/>
+          </p:cNvSpPr>
+          <p:nvPr>
+            <p:ph type="title"/>
+          </p:nvPr>
+        </p:nvSpPr>
+        <p:spPr>
+          <a:xfrm>
+            <a:off x="1141413" y="609600"/>
+            <a:ext cx="9933876" cy="594732"/>
+          </a:xfrm>
+        </p:spPr>
+        <p:txBody>
+          <a:bodyPr/>
+          <a:lstStyle/>
+          <a:p>
+            <a:r>
+              <a:rPr lang="fr-FR" dirty="0">
+                <a:effectLst>
+                  <a:glow rad="38100">
+                    <a:prstClr val="black">
+                      <a:lumMod val="65000"/>
+                      <a:lumOff val="35000"/>
+                      <a:alpha val="40000"/>
+                    </a:prstClr>
+                  </a:glow>
+                  <a:outerShdw blurRad="28575" dist="38100" dir="14040000" algn="tl" rotWithShape="0">
+                    <a:srgbClr val="000000">
+                      <a:alpha val="25000"/>
+                    </a:srgbClr>
+                  </a:outerShdw>
+                </a:effectLst>
+              </a:rPr>
+              <a:t>Agilité</a:t>
+            </a:r>
+            <a:endParaRPr lang="fr-FR" dirty="0"/>
+          </a:p>
+        </p:txBody>
+      </p:sp>
+      <p:sp>
+        <p:nvSpPr>
+          <p:cNvPr id="3" name="Espace réservé du contenu 2">
+            <a:extLst>
+              <a:ext uri="{FF2B5EF4-FFF2-40B4-BE49-F238E27FC236}">
+                <a16:creationId xmlns:a16="http://schemas.microsoft.com/office/drawing/2014/main" id="{7BFE9D94-F034-D3FC-B86D-02BF28C43D35}"/>
+              </a:ext>
+            </a:extLst>
+          </p:cNvPr>
+          <p:cNvSpPr>
+            <a:spLocks noGrp="1"/>
+          </p:cNvSpPr>
+          <p:nvPr>
+            <p:ph idx="1"/>
+          </p:nvPr>
+        </p:nvSpPr>
+        <p:spPr>
+          <a:xfrm>
+            <a:off x="1141413" y="1282390"/>
+            <a:ext cx="9933876" cy="4508810"/>
+          </a:xfrm>
+        </p:spPr>
+        <p:txBody>
+          <a:bodyPr/>
+          <a:lstStyle/>
+          <a:p>
+            <a:pPr marL="0" indent="0">
+              <a:buNone/>
+            </a:pPr>
+            <a:r>
+              <a:rPr lang="fr-FR" dirty="0">
+                <a:effectLst>
+                  <a:glow rad="38100">
+                    <a:prstClr val="black">
+                      <a:lumMod val="50000"/>
+                      <a:lumOff val="50000"/>
+                      <a:alpha val="20000"/>
+                    </a:prstClr>
+                  </a:glow>
+                  <a:outerShdw blurRad="44450" dist="12700" dir="13860000" algn="tl" rotWithShape="0">
+                    <a:srgbClr val="000000">
+                      <a:alpha val="20000"/>
+                    </a:srgbClr>
+                  </a:outerShdw>
+                </a:effectLst>
+              </a:rPr>
+              <a:t>en quoi une approche agile serait bénéfique ?</a:t>
+            </a:r>
+            <a:endParaRPr lang="fr-FR" dirty="0"/>
+          </a:p>
+          <a:p>
+            <a:pPr>
+              <a:buClr>
+                <a:srgbClr val="FFFFFF"/>
+              </a:buClr>
+            </a:pPr>
+            <a:r>
+              <a:rPr lang="fr-FR" dirty="0">
+                <a:effectLst>
+                  <a:glow rad="38100">
+                    <a:prstClr val="black">
+                      <a:lumMod val="50000"/>
+                      <a:lumOff val="50000"/>
+                      <a:alpha val="20000"/>
+                    </a:prstClr>
+                  </a:glow>
+                  <a:outerShdw blurRad="44450" dist="12700" dir="13860000" algn="tl" rotWithShape="0">
+                    <a:srgbClr val="000000">
+                      <a:alpha val="20000"/>
+                    </a:srgbClr>
+                  </a:outerShdw>
+                </a:effectLst>
+              </a:rPr>
+              <a:t>Lien avec le client plus accru</a:t>
+            </a:r>
+          </a:p>
+          <a:p>
+            <a:pPr>
+              <a:buClr>
+                <a:srgbClr val="FFFFFF"/>
+              </a:buClr>
+            </a:pPr>
+            <a:r>
+              <a:rPr lang="fr-FR" dirty="0">
+                <a:effectLst>
+                  <a:glow rad="38100">
+                    <a:prstClr val="black">
+                      <a:lumMod val="50000"/>
+                      <a:lumOff val="50000"/>
+                      <a:alpha val="20000"/>
+                    </a:prstClr>
+                  </a:glow>
+                  <a:outerShdw blurRad="44450" dist="12700" dir="13860000" algn="tl" rotWithShape="0">
+                    <a:srgbClr val="000000">
+                      <a:alpha val="20000"/>
+                    </a:srgbClr>
+                  </a:outerShdw>
+                </a:effectLst>
+              </a:rPr>
+              <a:t>Ordonner les fonctionnalités livrées en fonction de leur importance</a:t>
+            </a:r>
+          </a:p>
+          <a:p>
+            <a:pPr>
+              <a:buClr>
+                <a:srgbClr val="FFFFFF"/>
+              </a:buClr>
+            </a:pPr>
+            <a:r>
+              <a:rPr lang="fr-FR" dirty="0">
+                <a:effectLst>
+                  <a:glow rad="38100">
+                    <a:prstClr val="black">
+                      <a:lumMod val="50000"/>
+                      <a:lumOff val="50000"/>
+                      <a:alpha val="20000"/>
+                    </a:prstClr>
+                  </a:glow>
+                  <a:outerShdw blurRad="44450" dist="12700" dir="13860000" algn="tl" rotWithShape="0">
+                    <a:srgbClr val="000000">
+                      <a:alpha val="20000"/>
+                    </a:srgbClr>
+                  </a:outerShdw>
+                </a:effectLst>
+              </a:rPr>
+              <a:t>Le coût de la masse salariale est diminué car l'équipe s'auto-gère</a:t>
+            </a:r>
+          </a:p>
+          <a:p>
+            <a:pPr>
+              <a:buClr>
+                <a:srgbClr val="FFFFFF"/>
+              </a:buClr>
+            </a:pPr>
+            <a:r>
+              <a:rPr lang="fr-FR" dirty="0">
+                <a:effectLst>
+                  <a:glow rad="38100">
+                    <a:prstClr val="black">
+                      <a:lumMod val="50000"/>
+                      <a:lumOff val="50000"/>
+                      <a:alpha val="20000"/>
+                    </a:prstClr>
+                  </a:glow>
+                  <a:outerShdw blurRad="44450" dist="12700" dir="13860000" algn="tl" rotWithShape="0">
+                    <a:srgbClr val="000000">
+                      <a:alpha val="20000"/>
+                    </a:srgbClr>
+                  </a:outerShdw>
+                </a:effectLst>
+              </a:rPr>
+              <a:t>L'assurance d'avoir un produit opérationnel</a:t>
+            </a:r>
+          </a:p>
+          <a:p>
+            <a:pPr>
+              <a:buClr>
+                <a:srgbClr val="FFFFFF"/>
+              </a:buClr>
+            </a:pPr>
+            <a:r>
+              <a:rPr lang="fr-FR" dirty="0">
+                <a:effectLst>
+                  <a:glow rad="38100">
+                    <a:prstClr val="black">
+                      <a:lumMod val="50000"/>
+                      <a:lumOff val="50000"/>
+                      <a:alpha val="20000"/>
+                    </a:prstClr>
+                  </a:glow>
+                  <a:outerShdw blurRad="44450" dist="12700" dir="13860000" algn="tl" rotWithShape="0">
+                    <a:srgbClr val="000000">
+                      <a:alpha val="20000"/>
+                    </a:srgbClr>
+                  </a:outerShdw>
+                </a:effectLst>
+              </a:rPr>
+              <a:t>Plus de flexibilité par rapport aux imprévus</a:t>
+            </a:r>
+          </a:p>
+          <a:p>
+            <a:pPr>
+              <a:buClr>
+                <a:srgbClr val="FFFFFF"/>
+              </a:buClr>
+            </a:pPr>
+            <a:r>
+              <a:rPr lang="fr-FR" dirty="0">
+                <a:effectLst>
+                  <a:glow rad="38100">
+                    <a:prstClr val="black">
+                      <a:lumMod val="50000"/>
+                      <a:lumOff val="50000"/>
+                      <a:alpha val="20000"/>
+                    </a:prstClr>
+                  </a:glow>
+                  <a:outerShdw blurRad="44450" dist="12700" dir="13860000" algn="tl" rotWithShape="0">
+                    <a:srgbClr val="000000">
+                      <a:alpha val="20000"/>
+                    </a:srgbClr>
+                  </a:outerShdw>
+                </a:effectLst>
+              </a:rPr>
+              <a:t>Une motivation accrue à s'améliorer et à livrer</a:t>
+            </a:r>
+          </a:p>
+        </p:txBody>
+      </p:sp>
+      <p:sp>
+        <p:nvSpPr>
+          <p:cNvPr id="4" name="Espace réservé du numéro de diapositive 3">
+            <a:extLst>
+              <a:ext uri="{FF2B5EF4-FFF2-40B4-BE49-F238E27FC236}">
+                <a16:creationId xmlns:a16="http://schemas.microsoft.com/office/drawing/2014/main" id="{FD290B4E-18C7-C52A-B2A9-5352355CF2DE}"/>
+              </a:ext>
+            </a:extLst>
+          </p:cNvPr>
+          <p:cNvSpPr>
+            <a:spLocks noGrp="1"/>
+          </p:cNvSpPr>
+          <p:nvPr>
+            <p:ph type="sldNum" sz="quarter" idx="12"/>
+          </p:nvPr>
+        </p:nvSpPr>
+        <p:spPr/>
+        <p:txBody>
+          <a:bodyPr/>
+          <a:lstStyle/>
+          <a:p>
+            <a:fld id="{D57F1E4F-1CFF-5643-939E-217C01CDF565}" type="slidenum">
+              <a:rPr lang="en-US" dirty="0"/>
+              <a:pPr/>
+              <a:t>11</a:t>
+            </a:fld>
+            <a:endParaRPr lang="en-US" dirty="0"/>
+          </a:p>
+        </p:txBody>
+      </p:sp>
+      <p:sp>
+        <p:nvSpPr>
+          <p:cNvPr id="5" name="Espace réservé du pied de page 4">
+            <a:extLst>
+              <a:ext uri="{FF2B5EF4-FFF2-40B4-BE49-F238E27FC236}">
+                <a16:creationId xmlns:a16="http://schemas.microsoft.com/office/drawing/2014/main" id="{AE809A2D-E9DD-13E9-35D8-08C2BDFC2565}"/>
+              </a:ext>
+            </a:extLst>
+          </p:cNvPr>
+          <p:cNvSpPr>
+            <a:spLocks noGrp="1"/>
+          </p:cNvSpPr>
+          <p:nvPr>
+            <p:ph type="ftr" sz="quarter" idx="11"/>
+          </p:nvPr>
+        </p:nvSpPr>
+        <p:spPr/>
+        <p:txBody>
+          <a:bodyPr/>
+          <a:lstStyle/>
+          <a:p>
+            <a:r>
+              <a:rPr lang="fr-FR"/>
+              <a:t>Agile</a:t>
+            </a:r>
+          </a:p>
+        </p:txBody>
+      </p:sp>
+    </p:spTree>
+    <p:extLst>
+      <p:ext uri="{BB962C8B-B14F-4D97-AF65-F5344CB8AC3E}">
+        <p14:creationId xmlns:p14="http://schemas.microsoft.com/office/powerpoint/2010/main" val="3827315717"/>
+      </p:ext>
+    </p:extLst>
+  </p:cSld>
+  <p:clrMapOvr>
+    <a:masterClrMapping/>
+  </p:clrMapOvr>
+</p:sld>
+</file>
+
+<file path=ppt/slides/slide12.xml><?xml version="1.0" encoding="utf-8"?>
+<p:sld xmlns:a="http://schemas.openxmlformats.org/drawingml/2006/main" xmlns:r="http://schemas.openxmlformats.org/officeDocument/2006/relationships" xmlns:p="http://schemas.openxmlformats.org/presentationml/2006/main">
+  <p:cSld>
+    <p:spTree>
+      <p:nvGrpSpPr>
+        <p:cNvPr id="1" name=""/>
+        <p:cNvGrpSpPr/>
+        <p:nvPr/>
+      </p:nvGrpSpPr>
+      <p:grpSpPr>
+        <a:xfrm>
+          <a:off x="0" y="0"/>
+          <a:ext cx="0" cy="0"/>
+          <a:chOff x="0" y="0"/>
+          <a:chExt cx="0" cy="0"/>
+        </a:xfrm>
+      </p:grpSpPr>
+      <p:sp>
+        <p:nvSpPr>
+          <p:cNvPr id="3" name="Espace réservé du contenu 2">
+            <a:extLst>
+              <a:ext uri="{FF2B5EF4-FFF2-40B4-BE49-F238E27FC236}">
+                <a16:creationId xmlns:a16="http://schemas.microsoft.com/office/drawing/2014/main" id="{EA11FA88-A44A-0307-FE04-F1384A9340C9}"/>
+              </a:ext>
+            </a:extLst>
+          </p:cNvPr>
+          <p:cNvSpPr>
+            <a:spLocks noGrp="1"/>
+          </p:cNvSpPr>
+          <p:nvPr>
+            <p:ph idx="1"/>
+          </p:nvPr>
+        </p:nvSpPr>
+        <p:spPr>
+          <a:xfrm>
+            <a:off x="1141413" y="1551878"/>
+            <a:ext cx="9933876" cy="4239322"/>
+          </a:xfrm>
+        </p:spPr>
+        <p:txBody>
+          <a:bodyPr>
+            <a:normAutofit/>
+          </a:bodyPr>
+          <a:lstStyle/>
+          <a:p>
+            <a:pPr marL="0" indent="0">
+              <a:buNone/>
+            </a:pPr>
+            <a:r>
+              <a:rPr lang="fr-FR" dirty="0">
+                <a:effectLst>
+                  <a:glow rad="38100">
+                    <a:prstClr val="black">
+                      <a:lumMod val="50000"/>
+                      <a:lumOff val="50000"/>
+                      <a:alpha val="20000"/>
+                    </a:prstClr>
+                  </a:glow>
+                  <a:outerShdw blurRad="44450" dist="12700" dir="13860000" algn="tl" rotWithShape="0">
+                    <a:srgbClr val="000000">
+                      <a:alpha val="20000"/>
+                    </a:srgbClr>
+                  </a:outerShdw>
+                </a:effectLst>
+                <a:latin typeface="Arial"/>
+                <a:cs typeface="Arial"/>
+              </a:rPr>
+              <a:t>Qu'est-ce qui change en passant sur le paradigme de l'agilité ?</a:t>
+            </a:r>
+            <a:endParaRPr lang="fr-FR" dirty="0"/>
+          </a:p>
+          <a:p>
+            <a:pPr>
+              <a:buClr>
+                <a:srgbClr val="FFFFFF"/>
+              </a:buClr>
+            </a:pPr>
+            <a:r>
+              <a:rPr lang="fr-FR" dirty="0">
+                <a:effectLst>
+                  <a:glow rad="38100">
+                    <a:prstClr val="black">
+                      <a:lumMod val="50000"/>
+                      <a:lumOff val="50000"/>
+                      <a:alpha val="20000"/>
+                    </a:prstClr>
+                  </a:glow>
+                  <a:outerShdw blurRad="44450" dist="12700" dir="13860000" algn="tl" rotWithShape="0">
+                    <a:srgbClr val="000000">
+                      <a:alpha val="20000"/>
+                    </a:srgbClr>
+                  </a:outerShdw>
+                </a:effectLst>
+                <a:latin typeface="Arial"/>
+                <a:cs typeface="Arial"/>
+              </a:rPr>
+              <a:t>Plus de communication avec le client</a:t>
+            </a:r>
+          </a:p>
+          <a:p>
+            <a:pPr>
+              <a:buClr>
+                <a:srgbClr val="FFFFFF"/>
+              </a:buClr>
+            </a:pPr>
+            <a:r>
+              <a:rPr lang="fr-FR" dirty="0">
+                <a:effectLst>
+                  <a:glow rad="38100">
+                    <a:prstClr val="black">
+                      <a:lumMod val="50000"/>
+                      <a:lumOff val="50000"/>
+                      <a:alpha val="20000"/>
+                    </a:prstClr>
+                  </a:glow>
+                  <a:outerShdw blurRad="44450" dist="12700" dir="13860000" algn="tl" rotWithShape="0">
+                    <a:srgbClr val="000000">
+                      <a:alpha val="20000"/>
+                    </a:srgbClr>
+                  </a:outerShdw>
+                </a:effectLst>
+                <a:latin typeface="Arial"/>
+                <a:cs typeface="Arial"/>
+              </a:rPr>
+              <a:t>Un </a:t>
+            </a:r>
+            <a:r>
+              <a:rPr lang="fr-FR" err="1">
+                <a:effectLst>
+                  <a:glow rad="38100">
+                    <a:prstClr val="black">
+                      <a:lumMod val="50000"/>
+                      <a:lumOff val="50000"/>
+                      <a:alpha val="20000"/>
+                    </a:prstClr>
+                  </a:glow>
+                  <a:outerShdw blurRad="44450" dist="12700" dir="13860000" algn="tl" rotWithShape="0">
+                    <a:srgbClr val="000000">
+                      <a:alpha val="20000"/>
+                    </a:srgbClr>
+                  </a:outerShdw>
+                </a:effectLst>
+                <a:latin typeface="Arial"/>
+                <a:cs typeface="Arial"/>
+              </a:rPr>
+              <a:t>Backlog</a:t>
+            </a:r>
+            <a:endParaRPr lang="fr-FR">
+              <a:effectLst>
+                <a:glow rad="38100">
+                  <a:prstClr val="black">
+                    <a:lumMod val="50000"/>
+                    <a:lumOff val="50000"/>
+                    <a:alpha val="20000"/>
+                  </a:prstClr>
+                </a:glow>
+                <a:outerShdw blurRad="44450" dist="12700" dir="13860000" algn="tl" rotWithShape="0">
+                  <a:srgbClr val="000000">
+                    <a:alpha val="20000"/>
+                  </a:srgbClr>
+                </a:outerShdw>
+              </a:effectLst>
+              <a:latin typeface="Arial"/>
+              <a:cs typeface="Arial"/>
+            </a:endParaRPr>
+          </a:p>
+          <a:p>
+            <a:pPr>
+              <a:buClr>
+                <a:srgbClr val="FFFFFF"/>
+              </a:buClr>
+            </a:pPr>
+            <a:r>
+              <a:rPr lang="fr-FR" dirty="0">
+                <a:effectLst>
+                  <a:glow rad="38100">
+                    <a:prstClr val="black">
+                      <a:lumMod val="50000"/>
+                      <a:lumOff val="50000"/>
+                      <a:alpha val="20000"/>
+                    </a:prstClr>
+                  </a:glow>
+                  <a:outerShdw blurRad="44450" dist="12700" dir="13860000" algn="tl" rotWithShape="0">
+                    <a:srgbClr val="000000">
+                      <a:alpha val="20000"/>
+                    </a:srgbClr>
+                  </a:outerShdw>
+                </a:effectLst>
+                <a:latin typeface="Arial"/>
+                <a:cs typeface="Arial"/>
+              </a:rPr>
+              <a:t>Devoir faire plus confiance à l'équipe</a:t>
+            </a:r>
+          </a:p>
+          <a:p>
+            <a:pPr>
+              <a:buClr>
+                <a:srgbClr val="FFFFFF"/>
+              </a:buClr>
+            </a:pPr>
+            <a:r>
+              <a:rPr lang="fr-FR" dirty="0">
+                <a:effectLst>
+                  <a:glow rad="38100">
+                    <a:prstClr val="black">
+                      <a:lumMod val="50000"/>
+                      <a:lumOff val="50000"/>
+                      <a:alpha val="20000"/>
+                    </a:prstClr>
+                  </a:glow>
+                  <a:outerShdw blurRad="44450" dist="12700" dir="13860000" algn="tl" rotWithShape="0">
+                    <a:srgbClr val="000000">
+                      <a:alpha val="20000"/>
+                    </a:srgbClr>
+                  </a:outerShdw>
+                </a:effectLst>
+                <a:latin typeface="Arial"/>
+                <a:cs typeface="Arial"/>
+              </a:rPr>
+              <a:t>Livrer en itérations</a:t>
+            </a:r>
+          </a:p>
+          <a:p>
+            <a:pPr>
+              <a:buClr>
+                <a:srgbClr val="FFFFFF"/>
+              </a:buClr>
+            </a:pPr>
+            <a:r>
+              <a:rPr lang="fr-FR" dirty="0">
+                <a:effectLst>
+                  <a:glow rad="38100">
+                    <a:prstClr val="black">
+                      <a:lumMod val="50000"/>
+                      <a:lumOff val="50000"/>
+                      <a:alpha val="20000"/>
+                    </a:prstClr>
+                  </a:glow>
+                  <a:outerShdw blurRad="44450" dist="12700" dir="13860000" algn="tl" rotWithShape="0">
+                    <a:srgbClr val="000000">
+                      <a:alpha val="20000"/>
+                    </a:srgbClr>
+                  </a:outerShdw>
+                </a:effectLst>
+                <a:latin typeface="Arial"/>
+                <a:cs typeface="Arial"/>
+              </a:rPr>
+              <a:t>Responsabilité partagée</a:t>
+            </a:r>
+          </a:p>
+          <a:p>
+            <a:pPr>
+              <a:buClr>
+                <a:srgbClr val="FFFFFF"/>
+              </a:buClr>
+            </a:pPr>
+            <a:r>
+              <a:rPr lang="fr-FR" dirty="0">
+                <a:effectLst>
+                  <a:glow rad="38100">
+                    <a:prstClr val="black">
+                      <a:lumMod val="50000"/>
+                      <a:lumOff val="50000"/>
+                      <a:alpha val="20000"/>
+                    </a:prstClr>
+                  </a:glow>
+                  <a:outerShdw blurRad="44450" dist="12700" dir="13860000" algn="tl" rotWithShape="0">
+                    <a:srgbClr val="000000">
+                      <a:alpha val="20000"/>
+                    </a:srgbClr>
+                  </a:outerShdw>
+                </a:effectLst>
+                <a:latin typeface="Arial"/>
+                <a:cs typeface="Arial"/>
+              </a:rPr>
+              <a:t>Réunion debout</a:t>
+            </a:r>
+          </a:p>
+          <a:p>
+            <a:pPr>
+              <a:buClr>
+                <a:srgbClr val="FFFFFF"/>
+              </a:buClr>
+            </a:pPr>
+            <a:r>
+              <a:rPr lang="fr-FR">
+                <a:effectLst>
+                  <a:glow rad="38100">
+                    <a:prstClr val="black">
+                      <a:lumMod val="50000"/>
+                      <a:lumOff val="50000"/>
+                      <a:alpha val="20000"/>
+                    </a:prstClr>
+                  </a:glow>
+                  <a:outerShdw blurRad="44450" dist="12700" dir="13860000" algn="tl" rotWithShape="0">
+                    <a:srgbClr val="000000">
+                      <a:alpha val="20000"/>
+                    </a:srgbClr>
+                  </a:outerShdw>
+                </a:effectLst>
+                <a:latin typeface="Arial"/>
+                <a:cs typeface="Arial"/>
+              </a:rPr>
+              <a:t>Un </a:t>
+            </a:r>
+            <a:r>
+              <a:rPr lang="fr-FR" err="1">
+                <a:effectLst>
+                  <a:glow rad="38100">
+                    <a:prstClr val="black">
+                      <a:lumMod val="50000"/>
+                      <a:lumOff val="50000"/>
+                      <a:alpha val="20000"/>
+                    </a:prstClr>
+                  </a:glow>
+                  <a:outerShdw blurRad="44450" dist="12700" dir="13860000" algn="tl" rotWithShape="0">
+                    <a:srgbClr val="000000">
+                      <a:alpha val="20000"/>
+                    </a:srgbClr>
+                  </a:outerShdw>
+                </a:effectLst>
+                <a:latin typeface="Arial"/>
+                <a:cs typeface="Arial"/>
+              </a:rPr>
+              <a:t>Sprintlog</a:t>
+            </a:r>
+            <a:endParaRPr lang="fr-FR" dirty="0" err="1">
+              <a:effectLst>
+                <a:glow rad="38100">
+                  <a:prstClr val="black">
+                    <a:lumMod val="50000"/>
+                    <a:lumOff val="50000"/>
+                    <a:alpha val="20000"/>
+                  </a:prstClr>
+                </a:glow>
+                <a:outerShdw blurRad="44450" dist="12700" dir="13860000" algn="tl" rotWithShape="0">
+                  <a:srgbClr val="000000">
+                    <a:alpha val="20000"/>
+                  </a:srgbClr>
+                </a:outerShdw>
+              </a:effectLst>
+              <a:latin typeface="Arial"/>
+              <a:cs typeface="Arial"/>
+            </a:endParaRPr>
+          </a:p>
+        </p:txBody>
+      </p:sp>
+      <p:sp>
+        <p:nvSpPr>
+          <p:cNvPr id="4" name="Espace réservé du numéro de diapositive 3">
+            <a:extLst>
+              <a:ext uri="{FF2B5EF4-FFF2-40B4-BE49-F238E27FC236}">
+                <a16:creationId xmlns:a16="http://schemas.microsoft.com/office/drawing/2014/main" id="{BB8B0D2A-02B3-34A2-5D14-6930D732E069}"/>
+              </a:ext>
+            </a:extLst>
+          </p:cNvPr>
+          <p:cNvSpPr>
+            <a:spLocks noGrp="1"/>
+          </p:cNvSpPr>
+          <p:nvPr>
+            <p:ph type="sldNum" sz="quarter" idx="12"/>
+          </p:nvPr>
+        </p:nvSpPr>
+        <p:spPr/>
+        <p:txBody>
+          <a:bodyPr/>
+          <a:lstStyle/>
+          <a:p>
+            <a:fld id="{D57F1E4F-1CFF-5643-939E-217C01CDF565}" type="slidenum">
+              <a:rPr lang="en-US" dirty="0"/>
+              <a:pPr/>
+              <a:t>12</a:t>
+            </a:fld>
+            <a:endParaRPr lang="en-US" dirty="0"/>
+          </a:p>
+        </p:txBody>
+      </p:sp>
+      <p:sp>
+        <p:nvSpPr>
+          <p:cNvPr id="5" name="Espace réservé du pied de page 4">
+            <a:extLst>
+              <a:ext uri="{FF2B5EF4-FFF2-40B4-BE49-F238E27FC236}">
+                <a16:creationId xmlns:a16="http://schemas.microsoft.com/office/drawing/2014/main" id="{26C0103A-32C2-F0F2-C329-EE40672274E2}"/>
+              </a:ext>
+            </a:extLst>
+          </p:cNvPr>
+          <p:cNvSpPr>
+            <a:spLocks noGrp="1"/>
+          </p:cNvSpPr>
+          <p:nvPr>
+            <p:ph type="ftr" sz="quarter" idx="11"/>
+          </p:nvPr>
+        </p:nvSpPr>
+        <p:spPr/>
+        <p:txBody>
+          <a:bodyPr/>
+          <a:lstStyle/>
+          <a:p>
+            <a:r>
+              <a:rPr lang="fr-FR"/>
+              <a:t>Agile</a:t>
+            </a:r>
+          </a:p>
+        </p:txBody>
+      </p:sp>
+    </p:spTree>
+    <p:extLst>
+      <p:ext uri="{BB962C8B-B14F-4D97-AF65-F5344CB8AC3E}">
+        <p14:creationId xmlns:p14="http://schemas.microsoft.com/office/powerpoint/2010/main" val="627372249"/>
+      </p:ext>
+    </p:extLst>
+  </p:cSld>
+  <p:clrMapOvr>
+    <a:masterClrMapping/>
+  </p:clrMapOvr>
+</p:sld>
+</file>
+
+<file path=ppt/slides/slide13.xml><?xml version="1.0" encoding="utf-8"?>
+<p:sld xmlns:a="http://schemas.openxmlformats.org/drawingml/2006/main" xmlns:r="http://schemas.openxmlformats.org/officeDocument/2006/relationships" xmlns:p="http://schemas.openxmlformats.org/presentationml/2006/main">
+  <p:cSld>
+    <p:spTree>
+      <p:nvGrpSpPr>
+        <p:cNvPr id="1" name=""/>
+        <p:cNvGrpSpPr/>
+        <p:nvPr/>
+      </p:nvGrpSpPr>
+      <p:grpSpPr>
+        <a:xfrm>
+          <a:off x="0" y="0"/>
+          <a:ext cx="0" cy="0"/>
+          <a:chOff x="0" y="0"/>
+          <a:chExt cx="0" cy="0"/>
+        </a:xfrm>
+      </p:grpSpPr>
+      <p:sp>
+        <p:nvSpPr>
+          <p:cNvPr id="3" name="Espace réservé du contenu 2">
+            <a:extLst>
+              <a:ext uri="{FF2B5EF4-FFF2-40B4-BE49-F238E27FC236}">
+                <a16:creationId xmlns:a16="http://schemas.microsoft.com/office/drawing/2014/main" id="{F457ECC4-5495-29AA-3EE9-B0465EA4CB08}"/>
+              </a:ext>
+            </a:extLst>
+          </p:cNvPr>
+          <p:cNvSpPr>
+            <a:spLocks noGrp="1"/>
+          </p:cNvSpPr>
+          <p:nvPr>
+            <p:ph idx="1"/>
+          </p:nvPr>
+        </p:nvSpPr>
+        <p:spPr>
+          <a:xfrm>
+            <a:off x="1141413" y="1719145"/>
+            <a:ext cx="9905998" cy="3124201"/>
+          </a:xfrm>
+        </p:spPr>
+        <p:txBody>
+          <a:bodyPr/>
+          <a:lstStyle/>
+          <a:p>
+            <a:pPr marL="0" indent="0">
+              <a:buNone/>
+            </a:pPr>
+            <a:r>
+              <a:rPr lang="fr-FR" sz="1900" dirty="0">
+                <a:effectLst>
+                  <a:glow rad="38100">
+                    <a:prstClr val="black">
+                      <a:lumMod val="50000"/>
+                      <a:lumOff val="50000"/>
+                      <a:alpha val="20000"/>
+                    </a:prstClr>
+                  </a:glow>
+                  <a:outerShdw blurRad="44450" dist="12700" dir="13860000" algn="tl" rotWithShape="0">
+                    <a:srgbClr val="000000">
+                      <a:alpha val="20000"/>
+                    </a:srgbClr>
+                  </a:outerShdw>
+                </a:effectLst>
+                <a:latin typeface="Arial"/>
+                <a:cs typeface="Arial"/>
+              </a:rPr>
+              <a:t>Quelles pratiques mettez-vous en place ?</a:t>
+            </a:r>
+            <a:endParaRPr lang="fr-FR"/>
+          </a:p>
+          <a:p>
+            <a:pPr>
+              <a:buClr>
+                <a:srgbClr val="FFFFFF"/>
+              </a:buClr>
+            </a:pPr>
+            <a:r>
+              <a:rPr lang="fr-FR" sz="1900" dirty="0">
+                <a:effectLst>
+                  <a:glow rad="38100">
+                    <a:prstClr val="black">
+                      <a:lumMod val="50000"/>
+                      <a:lumOff val="50000"/>
+                      <a:alpha val="20000"/>
+                    </a:prstClr>
+                  </a:glow>
+                  <a:outerShdw blurRad="44450" dist="12700" dir="13860000" algn="tl" rotWithShape="0">
+                    <a:srgbClr val="000000">
+                      <a:alpha val="20000"/>
+                    </a:srgbClr>
+                  </a:outerShdw>
+                </a:effectLst>
+                <a:latin typeface="Arial"/>
+                <a:cs typeface="Arial"/>
+              </a:rPr>
+              <a:t>Réunion debout en matinée max 15 min</a:t>
+            </a:r>
+          </a:p>
+          <a:p>
+            <a:pPr>
+              <a:buClr>
+                <a:srgbClr val="FFFFFF"/>
+              </a:buClr>
+            </a:pPr>
+            <a:r>
+              <a:rPr lang="fr-FR" sz="1900" dirty="0">
+                <a:effectLst>
+                  <a:glow rad="38100">
+                    <a:prstClr val="black">
+                      <a:lumMod val="50000"/>
+                      <a:lumOff val="50000"/>
+                      <a:alpha val="20000"/>
+                    </a:prstClr>
+                  </a:glow>
+                  <a:outerShdw blurRad="44450" dist="12700" dir="13860000" algn="tl" rotWithShape="0">
+                    <a:srgbClr val="000000">
+                      <a:alpha val="20000"/>
+                    </a:srgbClr>
+                  </a:outerShdw>
+                </a:effectLst>
+                <a:latin typeface="Arial"/>
+                <a:cs typeface="Arial"/>
+              </a:rPr>
+              <a:t>Le Planning Poker</a:t>
+            </a:r>
+          </a:p>
+          <a:p>
+            <a:pPr>
+              <a:buClr>
+                <a:srgbClr val="FFFFFF"/>
+              </a:buClr>
+            </a:pPr>
+            <a:r>
+              <a:rPr lang="fr-FR" sz="1900" dirty="0" err="1">
+                <a:effectLst>
+                  <a:glow rad="38100">
+                    <a:prstClr val="black">
+                      <a:lumMod val="50000"/>
+                      <a:lumOff val="50000"/>
+                      <a:alpha val="20000"/>
+                    </a:prstClr>
+                  </a:glow>
+                  <a:outerShdw blurRad="44450" dist="12700" dir="13860000" algn="tl" rotWithShape="0">
+                    <a:srgbClr val="000000">
+                      <a:alpha val="20000"/>
+                    </a:srgbClr>
+                  </a:outerShdw>
+                </a:effectLst>
+                <a:latin typeface="Arial"/>
+                <a:cs typeface="Arial"/>
+              </a:rPr>
+              <a:t>Burndown</a:t>
+            </a:r>
+            <a:r>
+              <a:rPr lang="fr-FR" sz="1900" dirty="0">
+                <a:effectLst>
+                  <a:glow rad="38100">
+                    <a:prstClr val="black">
+                      <a:lumMod val="50000"/>
+                      <a:lumOff val="50000"/>
+                      <a:alpha val="20000"/>
+                    </a:prstClr>
+                  </a:glow>
+                  <a:outerShdw blurRad="44450" dist="12700" dir="13860000" algn="tl" rotWithShape="0">
+                    <a:srgbClr val="000000">
+                      <a:alpha val="20000"/>
+                    </a:srgbClr>
+                  </a:outerShdw>
+                </a:effectLst>
+                <a:latin typeface="Arial"/>
+                <a:cs typeface="Arial"/>
+              </a:rPr>
+              <a:t> chart</a:t>
+            </a:r>
+          </a:p>
+          <a:p>
+            <a:pPr>
+              <a:buClr>
+                <a:srgbClr val="FFFFFF"/>
+              </a:buClr>
+            </a:pPr>
+            <a:r>
+              <a:rPr lang="fr-FR" sz="1900" dirty="0">
+                <a:effectLst>
+                  <a:glow rad="38100">
+                    <a:prstClr val="black">
+                      <a:lumMod val="50000"/>
+                      <a:lumOff val="50000"/>
+                      <a:alpha val="20000"/>
+                    </a:prstClr>
+                  </a:glow>
+                  <a:outerShdw blurRad="44450" dist="12700" dir="13860000" algn="tl" rotWithShape="0">
+                    <a:srgbClr val="000000">
+                      <a:alpha val="20000"/>
+                    </a:srgbClr>
+                  </a:outerShdw>
+                </a:effectLst>
+                <a:latin typeface="Arial"/>
+                <a:cs typeface="Arial"/>
+              </a:rPr>
+              <a:t>User story</a:t>
+            </a:r>
+          </a:p>
+        </p:txBody>
+      </p:sp>
+      <p:sp>
+        <p:nvSpPr>
+          <p:cNvPr id="4" name="Espace réservé du numéro de diapositive 3">
+            <a:extLst>
+              <a:ext uri="{FF2B5EF4-FFF2-40B4-BE49-F238E27FC236}">
+                <a16:creationId xmlns:a16="http://schemas.microsoft.com/office/drawing/2014/main" id="{5FA91A4E-341C-CD02-99E7-580B5E1695F6}"/>
+              </a:ext>
+            </a:extLst>
+          </p:cNvPr>
+          <p:cNvSpPr>
+            <a:spLocks noGrp="1"/>
+          </p:cNvSpPr>
+          <p:nvPr>
+            <p:ph type="sldNum" sz="quarter" idx="12"/>
+          </p:nvPr>
+        </p:nvSpPr>
+        <p:spPr/>
+        <p:txBody>
+          <a:bodyPr/>
+          <a:lstStyle/>
+          <a:p>
+            <a:fld id="{D57F1E4F-1CFF-5643-939E-217C01CDF565}" type="slidenum">
+              <a:rPr lang="en-US" dirty="0"/>
+              <a:pPr/>
+              <a:t>13</a:t>
+            </a:fld>
+            <a:endParaRPr lang="en-US" dirty="0"/>
+          </a:p>
+        </p:txBody>
+      </p:sp>
+      <p:sp>
+        <p:nvSpPr>
+          <p:cNvPr id="5" name="Espace réservé du pied de page 4">
+            <a:extLst>
+              <a:ext uri="{FF2B5EF4-FFF2-40B4-BE49-F238E27FC236}">
+                <a16:creationId xmlns:a16="http://schemas.microsoft.com/office/drawing/2014/main" id="{6B2CF888-2D98-F79D-8F9A-02C087510A02}"/>
+              </a:ext>
+            </a:extLst>
+          </p:cNvPr>
+          <p:cNvSpPr>
+            <a:spLocks noGrp="1"/>
+          </p:cNvSpPr>
+          <p:nvPr>
+            <p:ph type="ftr" sz="quarter" idx="11"/>
+          </p:nvPr>
+        </p:nvSpPr>
+        <p:spPr/>
+        <p:txBody>
+          <a:bodyPr/>
+          <a:lstStyle/>
+          <a:p>
+            <a:r>
+              <a:rPr lang="fr-FR" dirty="0"/>
+              <a:t>Agile</a:t>
+            </a:r>
+          </a:p>
+        </p:txBody>
+      </p:sp>
+    </p:spTree>
+    <p:extLst>
+      <p:ext uri="{BB962C8B-B14F-4D97-AF65-F5344CB8AC3E}">
+        <p14:creationId xmlns:p14="http://schemas.microsoft.com/office/powerpoint/2010/main" val="2433031419"/>
+      </p:ext>
+    </p:extLst>
+  </p:cSld>
+  <p:clrMapOvr>
+    <a:masterClrMapping/>
+  </p:clrMapOvr>
+</p:sld>
+</file>
+
 <file path=ppt/slides/slide2.xml><?xml version="1.0" encoding="utf-8"?>
 <p:sld xmlns:a="http://schemas.openxmlformats.org/drawingml/2006/main" xmlns:r="http://schemas.openxmlformats.org/officeDocument/2006/relationships" xmlns:p="http://schemas.openxmlformats.org/presentationml/2006/main">
   <p:cSld>
@@ -6160,7 +7564,7 @@
                   </a:outerShdw>
                 </a:effectLst>
               </a:rPr>
-              <a:t>Teste</a:t>
+              <a:t>Test</a:t>
             </a:r>
           </a:p>
           <a:p>
@@ -6212,7 +7616,7 @@
                   </a:outerShdw>
                 </a:effectLst>
               </a:rPr>
-              <a:t>Equipe Proposée</a:t>
+              <a:t>Equipe Proposée Non Agile</a:t>
             </a:r>
           </a:p>
           <a:p>
@@ -6318,6 +7722,99 @@
               </a:rPr>
               <a:t>Risque Estimé</a:t>
             </a:r>
+          </a:p>
+          <a:p>
+            <a:pPr>
+              <a:buClr>
+                <a:srgbClr val="FFFFFF"/>
+              </a:buClr>
+            </a:pPr>
+            <a:r>
+              <a:rPr lang="fr-FR" dirty="0">
+                <a:effectLst>
+                  <a:glow rad="38100">
+                    <a:prstClr val="black">
+                      <a:lumMod val="50000"/>
+                      <a:lumOff val="50000"/>
+                      <a:alpha val="20000"/>
+                    </a:prstClr>
+                  </a:glow>
+                  <a:outerShdw blurRad="44450" dist="12700" dir="13860000" algn="tl" rotWithShape="0">
+                    <a:srgbClr val="000000">
+                      <a:alpha val="20000"/>
+                    </a:srgbClr>
+                  </a:outerShdw>
+                </a:effectLst>
+                <a:ea typeface="+mn-lt"/>
+                <a:cs typeface="+mn-lt"/>
+              </a:rPr>
+              <a:t>Equipe Proposée agile</a:t>
+            </a:r>
+            <a:endParaRPr lang="fr-FR" dirty="0">
+              <a:effectLst>
+                <a:glow rad="38100">
+                  <a:prstClr val="black">
+                    <a:lumMod val="50000"/>
+                    <a:lumOff val="50000"/>
+                    <a:alpha val="20000"/>
+                  </a:prstClr>
+                </a:glow>
+                <a:outerShdw blurRad="44450" dist="12700" dir="13860000" algn="tl" rotWithShape="0">
+                  <a:srgbClr val="000000">
+                    <a:alpha val="20000"/>
+                  </a:srgbClr>
+                </a:outerShdw>
+              </a:effectLst>
+            </a:endParaRPr>
+          </a:p>
+          <a:p>
+            <a:pPr>
+              <a:buClr>
+                <a:srgbClr val="FFFFFF"/>
+              </a:buClr>
+            </a:pPr>
+            <a:r>
+              <a:rPr lang="fr-FR" dirty="0">
+                <a:effectLst>
+                  <a:glow rad="38100">
+                    <a:prstClr val="black">
+                      <a:lumMod val="50000"/>
+                      <a:lumOff val="50000"/>
+                      <a:alpha val="20000"/>
+                    </a:prstClr>
+                  </a:glow>
+                  <a:outerShdw blurRad="44450" dist="12700" dir="13860000" algn="tl" rotWithShape="0">
+                    <a:srgbClr val="000000">
+                      <a:alpha val="20000"/>
+                    </a:srgbClr>
+                  </a:outerShdw>
+                </a:effectLst>
+              </a:rPr>
+              <a:t>Agile</a:t>
+            </a:r>
+          </a:p>
+          <a:p>
+            <a:pPr>
+              <a:buClr>
+                <a:srgbClr val="FFFFFF"/>
+              </a:buClr>
+            </a:pPr>
+            <a:endParaRPr lang="fr-FR" dirty="0">
+              <a:effectLst>
+                <a:glow rad="38100">
+                  <a:prstClr val="black">
+                    <a:lumMod val="50000"/>
+                    <a:lumOff val="50000"/>
+                    <a:alpha val="20000"/>
+                  </a:prstClr>
+                </a:glow>
+                <a:outerShdw blurRad="44450" dist="12700" dir="13860000" algn="tl" rotWithShape="0">
+                  <a:srgbClr val="000000">
+                    <a:alpha val="20000"/>
+                  </a:srgbClr>
+                </a:outerShdw>
+              </a:effectLst>
+            </a:endParaRPr>
           </a:p>
         </p:txBody>
       </p:sp>
@@ -6666,8 +8163,8 @@
           <a:lstStyle/>
           <a:p>
             <a:r>
-              <a:rPr lang="fr-FR"/>
-              <a:t>Planning - Teste</a:t>
+              <a:rPr lang="fr-FR" dirty="0"/>
+              <a:t>Planning - Test</a:t>
             </a:r>
           </a:p>
         </p:txBody>
@@ -6954,7 +8451,7 @@
                   </a:outerShdw>
                 </a:effectLst>
               </a:rPr>
-              <a:t>Equipe proposée</a:t>
+              <a:t>Equipe proposée NON Agile</a:t>
             </a:r>
             <a:endParaRPr lang="fr-FR" dirty="0"/>
           </a:p>
@@ -7043,6 +8540,58 @@
               </a:buClr>
             </a:pPr>
             <a:r>
+              <a:rPr lang="fr-FR" dirty="0">
+                <a:effectLst>
+                  <a:glow rad="38100">
+                    <a:prstClr val="black">
+                      <a:lumMod val="50000"/>
+                      <a:lumOff val="50000"/>
+                      <a:alpha val="20000"/>
+                    </a:prstClr>
+                  </a:glow>
+                  <a:outerShdw blurRad="44450" dist="12700" dir="13860000" algn="tl" rotWithShape="0">
+                    <a:srgbClr val="000000">
+                      <a:alpha val="20000"/>
+                    </a:srgbClr>
+                  </a:outerShdw>
+                </a:effectLst>
+              </a:rPr>
+              <a:t>2 Testeurs</a:t>
+            </a:r>
+          </a:p>
+          <a:p>
+            <a:pPr>
+              <a:buClr>
+                <a:srgbClr val="FFFFFF"/>
+              </a:buClr>
+            </a:pPr>
+            <a:r>
+              <a:rPr lang="fr-FR" dirty="0">
+                <a:effectLst>
+                  <a:glow rad="38100">
+                    <a:prstClr val="black">
+                      <a:lumMod val="50000"/>
+                      <a:lumOff val="50000"/>
+                      <a:alpha val="20000"/>
+                    </a:prstClr>
+                  </a:glow>
+                  <a:outerShdw blurRad="44450" dist="12700" dir="13860000" algn="tl" rotWithShape="0">
+                    <a:srgbClr val="000000">
+                      <a:alpha val="20000"/>
+                    </a:srgbClr>
+                  </a:outerShdw>
+                </a:effectLst>
+              </a:rPr>
+              <a:t>2 Editeurs de Document</a:t>
+            </a:r>
+          </a:p>
+          <a:p>
+            <a:pPr>
+              <a:buClr>
+                <a:srgbClr val="FFFFFF"/>
+              </a:buClr>
+            </a:pPr>
+            <a:r>
               <a:rPr lang="fr-FR">
                 <a:effectLst>
                   <a:glow rad="38100">
@@ -7059,66 +8608,8 @@
                   </a:outerShdw>
                 </a:effectLst>
               </a:rPr>
-              <a:t>2 Testeurs</a:t>
-            </a:r>
-            <a:endParaRPr lang="fr-FR" dirty="0">
-              <a:effectLst>
-                <a:glow rad="38100">
-                  <a:prstClr val="black">
-                    <a:lumMod val="50000"/>
-                    <a:lumOff val="50000"/>
-                    <a:alpha val="20000"/>
-                  </a:prstClr>
-                </a:glow>
-                <a:outerShdw blurRad="44450" dist="12700" dir="13860000" algn="tl" rotWithShape="0">
-                  <a:srgbClr val="000000">
-                    <a:alpha val="20000"/>
-                  </a:srgbClr>
-                </a:outerShdw>
-              </a:effectLst>
-            </a:endParaRPr>
-          </a:p>
-          <a:p>
-            <a:pPr>
-              <a:buClr>
-                <a:srgbClr val="FFFFFF"/>
-              </a:buClr>
-            </a:pPr>
-            <a:r>
-              <a:rPr lang="fr-FR">
-                <a:effectLst>
-                  <a:glow rad="38100">
-                    <a:prstClr val="black">
-                      <a:lumMod val="50000"/>
-                      <a:lumOff val="50000"/>
-                      <a:alpha val="20000"/>
-                    </a:prstClr>
-                  </a:glow>
-                  <a:outerShdw blurRad="44450" dist="12700" dir="13860000" algn="tl" rotWithShape="0">
-                    <a:srgbClr val="000000">
-                      <a:alpha val="20000"/>
-                    </a:srgbClr>
-                  </a:outerShdw>
-                </a:effectLst>
-              </a:rPr>
-              <a:t>2 Editeurs de Document</a:t>
-            </a:r>
-            <a:endParaRPr lang="fr-FR" dirty="0">
-              <a:effectLst>
-                <a:glow rad="38100">
-                  <a:prstClr val="black">
-                    <a:lumMod val="50000"/>
-                    <a:lumOff val="50000"/>
-                    <a:alpha val="20000"/>
-                  </a:prstClr>
-                </a:glow>
-                <a:outerShdw blurRad="44450" dist="12700" dir="13860000" algn="tl" rotWithShape="0">
-                  <a:srgbClr val="000000">
-                    <a:alpha val="20000"/>
-                  </a:srgbClr>
-                </a:outerShdw>
-              </a:effectLst>
-            </a:endParaRPr>
+              <a:t>1 Lead Tech</a:t>
+            </a:r>
           </a:p>
           <a:p>
             <a:pPr>
@@ -7143,7 +8634,7 @@
                   </a:outerShdw>
                 </a:effectLst>
               </a:rPr>
-              <a:t>1 Scrum Master</a:t>
+              <a:t>1 MOE</a:t>
             </a:r>
           </a:p>
           <a:p>
@@ -7169,134 +8660,8 @@
                   </a:outerShdw>
                 </a:effectLst>
               </a:rPr>
-              <a:t>1 Lead Tech</a:t>
-            </a:r>
-          </a:p>
-          <a:p>
-            <a:pPr>
-              <a:buClr>
-                <a:srgbClr val="FFFFFF"/>
-              </a:buClr>
-            </a:pPr>
-            <a:r>
-              <a:rPr lang="fr-FR">
-                <a:effectLst>
-                  <a:glow rad="38100">
-                    <a:prstClr val="black">
-                      <a:lumMod val="50000"/>
-                      <a:lumOff val="50000"/>
-                      <a:alpha val="20000"/>
-                    </a:prstClr>
-                  </a:glow>
-                  <a:outerShdw blurRad="44450" dist="12700" dir="13860000" algn="tl" rotWithShape="0">
-                    <a:srgbClr val="000000">
-                      <a:alpha val="20000"/>
-                    </a:srgbClr>
-                  </a:outerShdw>
-                </a:effectLst>
-              </a:rPr>
               <a:t>1 MOA</a:t>
             </a:r>
-            <a:endParaRPr lang="fr-FR" dirty="0">
-              <a:effectLst>
-                <a:glow rad="38100">
-                  <a:prstClr val="black">
-                    <a:lumMod val="50000"/>
-                    <a:lumOff val="50000"/>
-                    <a:alpha val="20000"/>
-                  </a:prstClr>
-                </a:glow>
-                <a:outerShdw blurRad="44450" dist="12700" dir="13860000" algn="tl" rotWithShape="0">
-                  <a:srgbClr val="000000">
-                    <a:alpha val="20000"/>
-                  </a:srgbClr>
-                </a:outerShdw>
-              </a:effectLst>
-            </a:endParaRPr>
-          </a:p>
-          <a:p>
-            <a:pPr>
-              <a:buClr>
-                <a:srgbClr val="FFFFFF"/>
-              </a:buClr>
-            </a:pPr>
-            <a:r>
-              <a:rPr lang="fr-FR">
-                <a:effectLst>
-                  <a:glow rad="38100">
-                    <a:prstClr val="black">
-                      <a:lumMod val="50000"/>
-                      <a:lumOff val="50000"/>
-                      <a:alpha val="20000"/>
-                    </a:prstClr>
-                  </a:glow>
-                  <a:outerShdw blurRad="44450" dist="12700" dir="13860000" algn="tl" rotWithShape="0">
-                    <a:srgbClr val="000000">
-                      <a:alpha val="20000"/>
-                    </a:srgbClr>
-                  </a:outerShdw>
-                </a:effectLst>
-              </a:rPr>
-              <a:t>1 MOE</a:t>
-            </a:r>
-            <a:endParaRPr lang="fr-FR" dirty="0">
-              <a:effectLst>
-                <a:glow rad="38100">
-                  <a:prstClr val="black">
-                    <a:lumMod val="50000"/>
-                    <a:lumOff val="50000"/>
-                    <a:alpha val="20000"/>
-                  </a:prstClr>
-                </a:glow>
-                <a:outerShdw blurRad="44450" dist="12700" dir="13860000" algn="tl" rotWithShape="0">
-                  <a:srgbClr val="000000">
-                    <a:alpha val="20000"/>
-                  </a:srgbClr>
-                </a:outerShdw>
-              </a:effectLst>
-            </a:endParaRPr>
-          </a:p>
-          <a:p>
-            <a:pPr>
-              <a:buClr>
-                <a:srgbClr val="FFFFFF"/>
-              </a:buClr>
-            </a:pPr>
-            <a:r>
-              <a:rPr lang="fr-FR">
-                <a:effectLst>
-                  <a:glow rad="38100">
-                    <a:prstClr val="black">
-                      <a:lumMod val="50000"/>
-                      <a:lumOff val="50000"/>
-                      <a:alpha val="20000"/>
-                    </a:prstClr>
-                  </a:glow>
-                  <a:outerShdw blurRad="44450" dist="12700" dir="13860000" algn="tl" rotWithShape="0">
-                    <a:srgbClr val="000000">
-                      <a:alpha val="20000"/>
-                    </a:srgbClr>
-                  </a:outerShdw>
-                </a:effectLst>
-              </a:rPr>
-              <a:t>1 Chef de Projet</a:t>
-            </a:r>
-            <a:endParaRPr lang="fr-FR" dirty="0">
-              <a:effectLst>
-                <a:glow rad="38100">
-                  <a:prstClr val="black">
-                    <a:lumMod val="50000"/>
-                    <a:lumOff val="50000"/>
-                    <a:alpha val="20000"/>
-                  </a:prstClr>
-                </a:glow>
-                <a:outerShdw blurRad="44450" dist="12700" dir="13860000" algn="tl" rotWithShape="0">
-                  <a:srgbClr val="000000">
-                    <a:alpha val="20000"/>
-                  </a:srgbClr>
-                </a:outerShdw>
-              </a:effectLst>
-            </a:endParaRPr>
           </a:p>
           <a:p>
             <a:pPr>
@@ -7623,7 +8988,7 @@
                 <a:latin typeface="Arial"/>
                 <a:cs typeface="Arial"/>
               </a:rPr>
-              <a:t>1 Scrum Master =&gt; 3 750 €</a:t>
+              <a:t>1 Lead Tech =&gt;4 375 €</a:t>
             </a:r>
             <a:endParaRPr lang="en-US" dirty="0">
               <a:effectLst>
@@ -7669,52 +9034,6 @@
                 <a:latin typeface="Arial"/>
                 <a:cs typeface="Arial"/>
               </a:rPr>
-              <a:t>1 Lead Tech =&gt;4 375 €</a:t>
-            </a:r>
-            <a:endParaRPr lang="en-US" dirty="0">
-              <a:effectLst>
-                <a:glow rad="38100">
-                  <a:prstClr val="black">
-                    <a:lumMod val="50000"/>
-                    <a:lumOff val="50000"/>
-                    <a:alpha val="20000"/>
-                  </a:prstClr>
-                </a:glow>
-                <a:outerShdw blurRad="44450" dist="12700" dir="13860000" algn="tl" rotWithShape="0">
-                  <a:srgbClr val="000000">
-                    <a:alpha val="20000"/>
-                  </a:srgbClr>
-                </a:outerShdw>
-              </a:effectLst>
-              <a:latin typeface="Arial"/>
-              <a:cs typeface="Arial"/>
-            </a:endParaRPr>
-          </a:p>
-          <a:p>
-            <a:pPr>
-              <a:buClr>
-                <a:srgbClr val="FFFFFF"/>
-              </a:buClr>
-            </a:pPr>
-            <a:r>
-              <a:rPr lang="fr-FR" dirty="0">
-                <a:effectLst>
-                  <a:glow rad="38100">
-                    <a:prstClr val="black">
-                      <a:lumMod val="50000"/>
-                      <a:lumOff val="50000"/>
-                      <a:alpha val="20000"/>
-                    </a:prstClr>
-                  </a:glow>
-                  <a:outerShdw blurRad="44450" dist="12700" dir="13860000" algn="tl" rotWithShape="0">
-                    <a:srgbClr val="000000">
-                      <a:alpha val="20000"/>
-                    </a:srgbClr>
-                  </a:outerShdw>
-                </a:effectLst>
-                <a:latin typeface="Arial"/>
-                <a:cs typeface="Arial"/>
-              </a:rPr>
               <a:t>1 MOA =&gt;3 525 €</a:t>
             </a:r>
           </a:p>
@@ -7747,10 +9066,11 @@
             </a:r>
           </a:p>
           <a:p>
-            <a:pPr>
+            <a:pPr marL="0" indent="0">
               <a:buClr>
-                <a:srgbClr val="FFFFFF"/>
+                <a:prstClr val="white"/>
               </a:buClr>
+              <a:buNone/>
             </a:pPr>
             <a:r>
               <a:rPr lang="fr-FR" dirty="0">
@@ -7768,38 +9088,8 @@
                     </a:srgbClr>
                   </a:outerShdw>
                 </a:effectLst>
-                <a:latin typeface="Arial"/>
-                <a:cs typeface="Arial"/>
               </a:rPr>
-              <a:t>1 Chef de Projet =&gt;3 750 €</a:t>
-            </a:r>
-            <a:endParaRPr lang="fr-FR" dirty="0"/>
-          </a:p>
-          <a:p>
-            <a:pPr marL="0" indent="0">
-              <a:buClr>
-                <a:prstClr val="white"/>
-              </a:buClr>
-              <a:buNone/>
-            </a:pPr>
-            <a:r>
-              <a:rPr lang="fr-FR" dirty="0">
-                <a:effectLst>
-                  <a:glow rad="38100">
-                    <a:prstClr val="black">
-                      <a:lumMod val="50000"/>
-                      <a:lumOff val="50000"/>
-                      <a:alpha val="20000"/>
-                    </a:prstClr>
-                  </a:glow>
-                  <a:outerShdw blurRad="44450" dist="12700" dir="13860000" algn="tl" rotWithShape="0">
-                    <a:srgbClr val="000000">
-                      <a:alpha val="20000"/>
-                    </a:srgbClr>
-                  </a:outerShdw>
-                </a:effectLst>
-              </a:rPr>
-              <a:t>Total de la masse salariale : 39 150 €</a:t>
+              <a:t>Total de la masse salariale : 31 650 €</a:t>
             </a:r>
           </a:p>
           <a:p>
@@ -7966,48 +9256,6 @@
           </a:p>
           <a:p>
             <a:r>
-              <a:rPr lang="fr-FR">
-                <a:effectLst>
-                  <a:glow rad="38100">
-                    <a:prstClr val="black">
-                      <a:lumMod val="50000"/>
-                      <a:lumOff val="50000"/>
-                      <a:alpha val="20000"/>
-                    </a:prstClr>
-                  </a:glow>
-                  <a:outerShdw blurRad="44450" dist="12700" dir="13860000" algn="tl" rotWithShape="0">
-                    <a:srgbClr val="000000">
-                      <a:alpha val="20000"/>
-                    </a:srgbClr>
-                  </a:outerShdw>
-                </a:effectLst>
-              </a:rPr>
-              <a:t>Un Local pour faire le projet: 2500 €</a:t>
-            </a:r>
-            <a:endParaRPr lang="fr-FR" dirty="0">
-              <a:effectLst>
-                <a:glow rad="38100">
-                  <a:prstClr val="black">
-                    <a:lumMod val="50000"/>
-                    <a:lumOff val="50000"/>
-                    <a:alpha val="20000"/>
-                  </a:prstClr>
-                </a:glow>
-                <a:outerShdw blurRad="44450" dist="12700" dir="13860000" algn="tl" rotWithShape="0">
-                  <a:srgbClr val="000000">
-                    <a:alpha val="20000"/>
-                  </a:srgbClr>
-                </a:outerShdw>
-              </a:effectLst>
-            </a:endParaRPr>
-          </a:p>
-          <a:p>
-            <a:pPr>
-              <a:buClr>
-                <a:srgbClr val="FFFFFF"/>
-              </a:buClr>
-            </a:pPr>
-            <a:r>
               <a:rPr lang="fr-FR" dirty="0">
                 <a:effectLst>
                   <a:glow rad="38100">
@@ -8024,7 +9272,33 @@
                   </a:outerShdw>
                 </a:effectLst>
               </a:rPr>
-              <a:t>11 Ordinateurs pour chaque poste : 11x 30€</a:t>
+              <a:t>Un Local pour faire le projet: 2500 €</a:t>
+            </a:r>
+          </a:p>
+          <a:p>
+            <a:pPr>
+              <a:buClr>
+                <a:srgbClr val="FFFFFF"/>
+              </a:buClr>
+            </a:pPr>
+            <a:r>
+              <a:rPr lang="fr-FR" dirty="0">
+                <a:effectLst>
+                  <a:glow rad="38100">
+                    <a:prstClr val="black">
+                      <a:lumMod val="50000"/>
+                      <a:lumOff val="50000"/>
+                      <a:alpha val="20000"/>
+                    </a:prstClr>
+                  </a:glow>
+                  <a:outerShdw blurRad="44450" dist="12700" dir="13860000" algn="tl" rotWithShape="0">
+                    <a:srgbClr val="000000">
+                      <a:alpha val="20000"/>
+                    </a:srgbClr>
+                  </a:outerShdw>
+                </a:effectLst>
+              </a:rPr>
+              <a:t>9 Ordinateurs pour chaque poste : 9x 30€</a:t>
             </a:r>
           </a:p>
           <a:p>
@@ -8084,7 +9358,7 @@
               <a:buNone/>
             </a:pPr>
             <a:r>
-              <a:rPr lang="fr-FR" dirty="0">
+              <a:rPr lang="fr-FR">
                 <a:effectLst>
                   <a:glow rad="38100">
                     <a:prstClr val="black">
@@ -8100,7 +9374,7 @@
                   </a:outerShdw>
                 </a:effectLst>
               </a:rPr>
-              <a:t>Total: 41 530€</a:t>
+              <a:t>Total: 33 970€</a:t>
             </a:r>
           </a:p>
         </p:txBody>
@@ -8267,7 +9541,9 @@
           </a:xfrm>
         </p:spPr>
         <p:txBody>
-          <a:bodyPr/>
+          <a:bodyPr>
+            <a:normAutofit/>
+          </a:bodyPr>
           <a:lstStyle/>
           <a:p>
             <a:r>
@@ -8287,9 +9563,9 @@
                   </a:outerShdw>
                 </a:effectLst>
               </a:rPr>
-              <a:t>Risque Humain: </a:t>
-            </a:r>
-            <a:endParaRPr lang="fr-FR"/>
+              <a:t>Risques Humains: </a:t>
+            </a:r>
+            <a:endParaRPr lang="fr-FR" dirty="0"/>
           </a:p>
           <a:p>
             <a:pPr lvl="1">
@@ -8313,9 +9589,27 @@
                     </a:srgbClr>
                   </a:outerShdw>
                 </a:effectLst>
+                <a:ea typeface="+mn-lt"/>
+                <a:cs typeface="+mn-lt"/>
               </a:rPr>
-              <a:t>l'expérience de chaque personne est entre 1-3 ans =&gt; manque potentiel de compétence</a:t>
-            </a:r>
+              <a:t>l'expérience de chaque personne est entre 1-3 ans =&gt; manque potentiel de compétence</a:t>
+            </a:r>
+            <a:endParaRPr lang="fr-FR" dirty="0">
+              <a:effectLst>
+                <a:glow rad="38100">
+                  <a:prstClr val="black">
+                    <a:lumMod val="50000"/>
+                    <a:lumOff val="50000"/>
+                    <a:alpha val="20000"/>
+                  </a:prstClr>
+                </a:glow>
+                <a:outerShdw blurRad="44450" dist="12700" dir="13860000" algn="tl" rotWithShape="0">
+                  <a:srgbClr val="000000">
+                    <a:alpha val="20000"/>
+                  </a:srgbClr>
+                </a:outerShdw>
+              </a:effectLst>
+            </a:endParaRPr>
           </a:p>
           <a:p>
             <a:pPr lvl="1">
@@ -8339,16 +9633,33 @@
                     </a:srgbClr>
                   </a:outerShdw>
                 </a:effectLst>
+                <a:ea typeface="+mn-lt"/>
+                <a:cs typeface="+mn-lt"/>
               </a:rPr>
-              <a:t>Différente cause d'absentéisme</a:t>
-            </a:r>
-          </a:p>
-          <a:p>
-            <a:pPr marL="0" indent="0">
+              <a:t>Différente cause d'absentéisme</a:t>
+            </a:r>
+            <a:endParaRPr lang="fr-FR" dirty="0">
+              <a:effectLst>
+                <a:glow rad="38100">
+                  <a:prstClr val="black">
+                    <a:lumMod val="50000"/>
+                    <a:lumOff val="50000"/>
+                    <a:alpha val="20000"/>
+                  </a:prstClr>
+                </a:glow>
+                <a:outerShdw blurRad="44450" dist="12700" dir="13860000" algn="tl" rotWithShape="0">
+                  <a:srgbClr val="000000">
+                    <a:alpha val="20000"/>
+                  </a:srgbClr>
+                </a:outerShdw>
+              </a:effectLst>
+            </a:endParaRPr>
+          </a:p>
+          <a:p>
+            <a:pPr>
               <a:buClr>
                 <a:srgbClr val="FFFFFF"/>
               </a:buClr>
-              <a:buNone/>
             </a:pPr>
             <a:r>
               <a:rPr lang="fr-FR" dirty="0">
@@ -8367,12 +9678,14 @@
                   </a:outerShdw>
                 </a:effectLst>
               </a:rPr>
-              <a:t>Nous avons une estimation totale de 5 jours potentiel de retard en cas de problème.</a:t>
-            </a:r>
-          </a:p>
-          <a:p>
-            <a:pPr marL="0" indent="0">
-              <a:buNone/>
+              <a:t>Risque Matériel:</a:t>
+            </a:r>
+          </a:p>
+          <a:p>
+            <a:pPr lvl="1">
+              <a:buClr>
+                <a:srgbClr val="FFFFFF"/>
+              </a:buClr>
             </a:pPr>
             <a:r>
               <a:rPr lang="fr-FR" dirty="0">
@@ -8391,10 +9704,16 @@
                   </a:outerShdw>
                 </a:effectLst>
               </a:rPr>
-              <a:t>Au-delà, des 5 jours de retard:</a:t>
-            </a:r>
-          </a:p>
-          <a:p>
+              <a:t>Problème du à la connexion ou du matériel informatique</a:t>
+            </a:r>
+          </a:p>
+          <a:p>
+            <a:pPr marL="0" indent="0">
+              <a:buClr>
+                <a:srgbClr val="FFFFFF"/>
+              </a:buClr>
+              <a:buNone/>
+            </a:pPr>
             <a:r>
               <a:rPr lang="fr-FR" dirty="0">
                 <a:effectLst>
@@ -8412,14 +9731,12 @@
                   </a:outerShdw>
                 </a:effectLst>
               </a:rPr>
-              <a:t>Risques Financiers: Coût supérieur à l'estimation</a:t>
-            </a:r>
-          </a:p>
-          <a:p>
-            <a:pPr>
-              <a:buClr>
-                <a:srgbClr val="FFFFFF"/>
-              </a:buClr>
+              <a:t>Nous avons une estimation totale de 5 jours potentiel de retard en cas de problème.</a:t>
+            </a:r>
+          </a:p>
+          <a:p>
+            <a:pPr marL="0" indent="0">
+              <a:buNone/>
             </a:pPr>
             <a:r>
               <a:rPr lang="fr-FR" dirty="0">
@@ -8438,7 +9755,54 @@
                   </a:outerShdw>
                 </a:effectLst>
               </a:rPr>
-              <a:t>Risque Temporels: Mauvaise estimation du retard</a:t>
+              <a:t>Au-delà, des 5 jours de retard:</a:t>
+            </a:r>
+          </a:p>
+          <a:p>
+            <a:r>
+              <a:rPr lang="fr-FR">
+                <a:effectLst>
+                  <a:glow rad="38100">
+                    <a:prstClr val="black">
+                      <a:lumMod val="50000"/>
+                      <a:lumOff val="50000"/>
+                      <a:alpha val="20000"/>
+                    </a:prstClr>
+                  </a:glow>
+                  <a:outerShdw blurRad="44450" dist="12700" dir="13860000" algn="tl" rotWithShape="0">
+                    <a:srgbClr val="000000">
+                      <a:alpha val="20000"/>
+                    </a:srgbClr>
+                  </a:outerShdw>
+                </a:effectLst>
+              </a:rPr>
+              <a:t>Risque Financier: Coût supérieur à l'estimation</a:t>
+            </a:r>
+          </a:p>
+          <a:p>
+            <a:pPr>
+              <a:buClr>
+                <a:srgbClr val="FFFFFF"/>
+              </a:buClr>
+            </a:pPr>
+            <a:r>
+              <a:rPr lang="fr-FR">
+                <a:effectLst>
+                  <a:glow rad="38100">
+                    <a:prstClr val="black">
+                      <a:lumMod val="50000"/>
+                      <a:lumOff val="50000"/>
+                      <a:alpha val="20000"/>
+                    </a:prstClr>
+                  </a:glow>
+                  <a:outerShdw blurRad="44450" dist="12700" dir="13860000" algn="tl" rotWithShape="0">
+                    <a:srgbClr val="000000">
+                      <a:alpha val="20000"/>
+                    </a:srgbClr>
+                  </a:outerShdw>
+                </a:effectLst>
+              </a:rPr>
+              <a:t>Risque Temporel: Mauvaise estimation du retard</a:t>
             </a:r>
           </a:p>
         </p:txBody>
